--- a/PWI/PWI_paper.pptx
+++ b/PWI/PWI_paper.pptx
@@ -11,6 +11,7 @@
     <p:sldId id="259" r:id="rId5"/>
     <p:sldId id="261" r:id="rId6"/>
     <p:sldId id="260" r:id="rId7"/>
+    <p:sldId id="262" r:id="rId8"/>
   </p:sldIdLst>
   <p:sldSz cx="12192000" cy="6858000"/>
   <p:notesSz cx="6858000" cy="9144000"/>
@@ -130,7 +131,7 @@
   <pc:docChgLst>
     <pc:chgData name="Felipe Carriel" userId="1edda3cd-0e6d-497b-83f2-44306f013350" providerId="ADAL" clId="{FE04AF54-69C1-402A-8826-9D5703081EB5}"/>
     <pc:docChg chg="undo custSel addSld delSld modSld sldOrd">
-      <pc:chgData name="Felipe Carriel" userId="1edda3cd-0e6d-497b-83f2-44306f013350" providerId="ADAL" clId="{FE04AF54-69C1-402A-8826-9D5703081EB5}" dt="2025-03-03T13:17:23.757" v="596" actId="207"/>
+      <pc:chgData name="Felipe Carriel" userId="1edda3cd-0e6d-497b-83f2-44306f013350" providerId="ADAL" clId="{FE04AF54-69C1-402A-8826-9D5703081EB5}" dt="2025-03-26T20:41:17.605" v="605" actId="1076"/>
       <pc:docMkLst>
         <pc:docMk/>
       </pc:docMkLst>
@@ -442,22 +443,6 @@
             <ac:spMk id="3" creationId="{D2AD11C1-2908-159A-A96E-E574B0BE7722}"/>
           </ac:spMkLst>
         </pc:spChg>
-        <pc:spChg chg="add del mod">
-          <ac:chgData name="Felipe Carriel" userId="1edda3cd-0e6d-497b-83f2-44306f013350" providerId="ADAL" clId="{FE04AF54-69C1-402A-8826-9D5703081EB5}" dt="2025-03-03T03:05:13.083" v="496"/>
-          <ac:spMkLst>
-            <pc:docMk/>
-            <pc:sldMk cId="1580486491" sldId="259"/>
-            <ac:spMk id="8" creationId="{5B86E8BE-CD47-433A-1FED-6E9EC5503A05}"/>
-          </ac:spMkLst>
-        </pc:spChg>
-        <pc:spChg chg="add del mod">
-          <ac:chgData name="Felipe Carriel" userId="1edda3cd-0e6d-497b-83f2-44306f013350" providerId="ADAL" clId="{FE04AF54-69C1-402A-8826-9D5703081EB5}" dt="2025-03-03T03:13:02.486" v="537" actId="478"/>
-          <ac:spMkLst>
-            <pc:docMk/>
-            <pc:sldMk cId="1580486491" sldId="259"/>
-            <ac:spMk id="9" creationId="{04B0CAA5-A9CF-7907-7083-21251E910278}"/>
-          </ac:spMkLst>
-        </pc:spChg>
         <pc:spChg chg="add mod">
           <ac:chgData name="Felipe Carriel" userId="1edda3cd-0e6d-497b-83f2-44306f013350" providerId="ADAL" clId="{FE04AF54-69C1-402A-8826-9D5703081EB5}" dt="2025-03-03T12:25:51.781" v="588" actId="113"/>
           <ac:spMkLst>
@@ -474,14 +459,6 @@
             <ac:spMk id="11" creationId="{106DA16E-E329-2792-3F2D-08F087816E01}"/>
           </ac:spMkLst>
         </pc:spChg>
-        <pc:picChg chg="add del mod ord">
-          <ac:chgData name="Felipe Carriel" userId="1edda3cd-0e6d-497b-83f2-44306f013350" providerId="ADAL" clId="{FE04AF54-69C1-402A-8826-9D5703081EB5}" dt="2025-03-03T02:54:37.740" v="356" actId="22"/>
-          <ac:picMkLst>
-            <pc:docMk/>
-            <pc:sldMk cId="1580486491" sldId="259"/>
-            <ac:picMk id="5" creationId="{E860C3B0-D5CF-A3A9-7942-24B5F44E6992}"/>
-          </ac:picMkLst>
-        </pc:picChg>
         <pc:picChg chg="add mod">
           <ac:chgData name="Felipe Carriel" userId="1edda3cd-0e6d-497b-83f2-44306f013350" providerId="ADAL" clId="{FE04AF54-69C1-402A-8826-9D5703081EB5}" dt="2025-03-03T02:54:45.588" v="361" actId="1076"/>
           <ac:picMkLst>
@@ -503,14 +480,6 @@
             <pc:docMk/>
             <pc:sldMk cId="3291078872" sldId="260"/>
             <ac:spMk id="2" creationId="{9704CC6F-D304-3A6E-D586-E5BA0AF1C8B2}"/>
-          </ac:spMkLst>
-        </pc:spChg>
-        <pc:spChg chg="del mod">
-          <ac:chgData name="Felipe Carriel" userId="1edda3cd-0e6d-497b-83f2-44306f013350" providerId="ADAL" clId="{FE04AF54-69C1-402A-8826-9D5703081EB5}" dt="2025-03-03T03:01:34.261" v="459" actId="478"/>
-          <ac:spMkLst>
-            <pc:docMk/>
-            <pc:sldMk cId="3291078872" sldId="260"/>
-            <ac:spMk id="3" creationId="{A68E9D32-0A65-DE02-E201-BADA8CDC3F9A}"/>
           </ac:spMkLst>
         </pc:spChg>
         <pc:spChg chg="add mod">
@@ -567,12 +536,35 @@
           <pc:docMk/>
           <pc:sldMk cId="2909706241" sldId="262"/>
         </pc:sldMkLst>
-        <pc:picChg chg="add">
-          <ac:chgData name="Felipe Carriel" userId="1edda3cd-0e6d-497b-83f2-44306f013350" providerId="ADAL" clId="{FE04AF54-69C1-402A-8826-9D5703081EB5}" dt="2025-03-03T03:00:43.508" v="444" actId="22"/>
+      </pc:sldChg>
+      <pc:sldChg chg="addSp modSp new mod">
+        <pc:chgData name="Felipe Carriel" userId="1edda3cd-0e6d-497b-83f2-44306f013350" providerId="ADAL" clId="{FE04AF54-69C1-402A-8826-9D5703081EB5}" dt="2025-03-26T20:41:17.605" v="605" actId="1076"/>
+        <pc:sldMkLst>
+          <pc:docMk/>
+          <pc:sldMk cId="3463136506" sldId="262"/>
+        </pc:sldMkLst>
+        <pc:spChg chg="mod">
+          <ac:chgData name="Felipe Carriel" userId="1edda3cd-0e6d-497b-83f2-44306f013350" providerId="ADAL" clId="{FE04AF54-69C1-402A-8826-9D5703081EB5}" dt="2025-03-26T20:40:55.204" v="601" actId="20577"/>
+          <ac:spMkLst>
+            <pc:docMk/>
+            <pc:sldMk cId="3463136506" sldId="262"/>
+            <ac:spMk id="2" creationId="{64A8F005-BCE5-034C-6C66-BE185395A8C0}"/>
+          </ac:spMkLst>
+        </pc:spChg>
+        <pc:spChg chg="mod">
+          <ac:chgData name="Felipe Carriel" userId="1edda3cd-0e6d-497b-83f2-44306f013350" providerId="ADAL" clId="{FE04AF54-69C1-402A-8826-9D5703081EB5}" dt="2025-03-26T20:41:11.005" v="604" actId="255"/>
+          <ac:spMkLst>
+            <pc:docMk/>
+            <pc:sldMk cId="3463136506" sldId="262"/>
+            <ac:spMk id="3" creationId="{08659E75-A51D-A010-58B5-60FBB5EA45A4}"/>
+          </ac:spMkLst>
+        </pc:spChg>
+        <pc:picChg chg="add mod">
+          <ac:chgData name="Felipe Carriel" userId="1edda3cd-0e6d-497b-83f2-44306f013350" providerId="ADAL" clId="{FE04AF54-69C1-402A-8826-9D5703081EB5}" dt="2025-03-26T20:41:17.605" v="605" actId="1076"/>
           <ac:picMkLst>
             <pc:docMk/>
-            <pc:sldMk cId="2909706241" sldId="262"/>
-            <ac:picMk id="5" creationId="{1BBB5FC0-B0CF-1BBE-813B-F6AC6EFE40F1}"/>
+            <pc:sldMk cId="3463136506" sldId="262"/>
+            <ac:picMk id="5" creationId="{1E39A4BA-4E40-231A-0346-F8F318D148C2}"/>
           </ac:picMkLst>
         </pc:picChg>
       </pc:sldChg>
@@ -730,7 +722,7 @@
           <a:p>
             <a:fld id="{5625A913-C8CC-4FDE-8370-B3BEC9A929D2}" type="datetimeFigureOut">
               <a:rPr lang="es-CL" smtClean="0"/>
-              <a:t>26-02-2025</a:t>
+              <a:t>26-03-2025</a:t>
             </a:fld>
             <a:endParaRPr lang="es-CL"/>
           </a:p>
@@ -930,7 +922,7 @@
           <a:p>
             <a:fld id="{5625A913-C8CC-4FDE-8370-B3BEC9A929D2}" type="datetimeFigureOut">
               <a:rPr lang="es-CL" smtClean="0"/>
-              <a:t>26-02-2025</a:t>
+              <a:t>26-03-2025</a:t>
             </a:fld>
             <a:endParaRPr lang="es-CL"/>
           </a:p>
@@ -1140,7 +1132,7 @@
           <a:p>
             <a:fld id="{5625A913-C8CC-4FDE-8370-B3BEC9A929D2}" type="datetimeFigureOut">
               <a:rPr lang="es-CL" smtClean="0"/>
-              <a:t>26-02-2025</a:t>
+              <a:t>26-03-2025</a:t>
             </a:fld>
             <a:endParaRPr lang="es-CL"/>
           </a:p>
@@ -1340,7 +1332,7 @@
           <a:p>
             <a:fld id="{5625A913-C8CC-4FDE-8370-B3BEC9A929D2}" type="datetimeFigureOut">
               <a:rPr lang="es-CL" smtClean="0"/>
-              <a:t>26-02-2025</a:t>
+              <a:t>26-03-2025</a:t>
             </a:fld>
             <a:endParaRPr lang="es-CL"/>
           </a:p>
@@ -1616,7 +1608,7 @@
           <a:p>
             <a:fld id="{5625A913-C8CC-4FDE-8370-B3BEC9A929D2}" type="datetimeFigureOut">
               <a:rPr lang="es-CL" smtClean="0"/>
-              <a:t>26-02-2025</a:t>
+              <a:t>26-03-2025</a:t>
             </a:fld>
             <a:endParaRPr lang="es-CL"/>
           </a:p>
@@ -1884,7 +1876,7 @@
           <a:p>
             <a:fld id="{5625A913-C8CC-4FDE-8370-B3BEC9A929D2}" type="datetimeFigureOut">
               <a:rPr lang="es-CL" smtClean="0"/>
-              <a:t>26-02-2025</a:t>
+              <a:t>26-03-2025</a:t>
             </a:fld>
             <a:endParaRPr lang="es-CL"/>
           </a:p>
@@ -2299,7 +2291,7 @@
           <a:p>
             <a:fld id="{5625A913-C8CC-4FDE-8370-B3BEC9A929D2}" type="datetimeFigureOut">
               <a:rPr lang="es-CL" smtClean="0"/>
-              <a:t>26-02-2025</a:t>
+              <a:t>26-03-2025</a:t>
             </a:fld>
             <a:endParaRPr lang="es-CL"/>
           </a:p>
@@ -2441,7 +2433,7 @@
           <a:p>
             <a:fld id="{5625A913-C8CC-4FDE-8370-B3BEC9A929D2}" type="datetimeFigureOut">
               <a:rPr lang="es-CL" smtClean="0"/>
-              <a:t>26-02-2025</a:t>
+              <a:t>26-03-2025</a:t>
             </a:fld>
             <a:endParaRPr lang="es-CL"/>
           </a:p>
@@ -2554,7 +2546,7 @@
           <a:p>
             <a:fld id="{5625A913-C8CC-4FDE-8370-B3BEC9A929D2}" type="datetimeFigureOut">
               <a:rPr lang="es-CL" smtClean="0"/>
-              <a:t>26-02-2025</a:t>
+              <a:t>26-03-2025</a:t>
             </a:fld>
             <a:endParaRPr lang="es-CL"/>
           </a:p>
@@ -2867,7 +2859,7 @@
           <a:p>
             <a:fld id="{5625A913-C8CC-4FDE-8370-B3BEC9A929D2}" type="datetimeFigureOut">
               <a:rPr lang="es-CL" smtClean="0"/>
-              <a:t>26-02-2025</a:t>
+              <a:t>26-03-2025</a:t>
             </a:fld>
             <a:endParaRPr lang="es-CL"/>
           </a:p>
@@ -3156,7 +3148,7 @@
           <a:p>
             <a:fld id="{5625A913-C8CC-4FDE-8370-B3BEC9A929D2}" type="datetimeFigureOut">
               <a:rPr lang="es-CL" smtClean="0"/>
-              <a:t>26-02-2025</a:t>
+              <a:t>26-03-2025</a:t>
             </a:fld>
             <a:endParaRPr lang="es-CL"/>
           </a:p>
@@ -3399,7 +3391,7 @@
           <a:p>
             <a:fld id="{5625A913-C8CC-4FDE-8370-B3BEC9A929D2}" type="datetimeFigureOut">
               <a:rPr lang="es-CL" smtClean="0"/>
-              <a:t>26-02-2025</a:t>
+              <a:t>26-03-2025</a:t>
             </a:fld>
             <a:endParaRPr lang="es-CL"/>
           </a:p>
@@ -7604,6 +7596,126 @@
     <p:extLst>
       <p:ext uri="{BB962C8B-B14F-4D97-AF65-F5344CB8AC3E}">
         <p14:creationId xmlns:p14="http://schemas.microsoft.com/office/powerpoint/2010/main" val="3291078872"/>
+      </p:ext>
+    </p:extLst>
+  </p:cSld>
+  <p:clrMapOvr>
+    <a:masterClrMapping/>
+  </p:clrMapOvr>
+</p:sld>
+</file>
+
+<file path=ppt/slides/slide7.xml><?xml version="1.0" encoding="utf-8"?>
+<p:sld xmlns:a="http://schemas.openxmlformats.org/drawingml/2006/main" xmlns:r="http://schemas.openxmlformats.org/officeDocument/2006/relationships" xmlns:p="http://schemas.openxmlformats.org/presentationml/2006/main">
+  <p:cSld>
+    <p:spTree>
+      <p:nvGrpSpPr>
+        <p:cNvPr id="1" name=""/>
+        <p:cNvGrpSpPr/>
+        <p:nvPr/>
+      </p:nvGrpSpPr>
+      <p:grpSpPr>
+        <a:xfrm>
+          <a:off x="0" y="0"/>
+          <a:ext cx="0" cy="0"/>
+          <a:chOff x="0" y="0"/>
+          <a:chExt cx="0" cy="0"/>
+        </a:xfrm>
+      </p:grpSpPr>
+      <p:sp>
+        <p:nvSpPr>
+          <p:cNvPr id="2" name="Título 1">
+            <a:extLst>
+              <a:ext uri="{FF2B5EF4-FFF2-40B4-BE49-F238E27FC236}">
+                <a16:creationId xmlns:a16="http://schemas.microsoft.com/office/drawing/2014/main" id="{64A8F005-BCE5-034C-6C66-BE185395A8C0}"/>
+              </a:ext>
+            </a:extLst>
+          </p:cNvPr>
+          <p:cNvSpPr>
+            <a:spLocks noGrp="1"/>
+          </p:cNvSpPr>
+          <p:nvPr>
+            <p:ph type="title"/>
+          </p:nvPr>
+        </p:nvSpPr>
+        <p:spPr/>
+        <p:txBody>
+          <a:bodyPr/>
+          <a:lstStyle/>
+          <a:p>
+            <a:r>
+              <a:rPr lang="es-ES" dirty="0" err="1"/>
+              <a:t>dff</a:t>
+            </a:r>
+            <a:endParaRPr lang="es-CL" dirty="0"/>
+          </a:p>
+        </p:txBody>
+      </p:sp>
+      <p:sp>
+        <p:nvSpPr>
+          <p:cNvPr id="3" name="Marcador de contenido 2">
+            <a:extLst>
+              <a:ext uri="{FF2B5EF4-FFF2-40B4-BE49-F238E27FC236}">
+                <a16:creationId xmlns:a16="http://schemas.microsoft.com/office/drawing/2014/main" id="{08659E75-A51D-A010-58B5-60FBB5EA45A4}"/>
+              </a:ext>
+            </a:extLst>
+          </p:cNvPr>
+          <p:cNvSpPr>
+            <a:spLocks noGrp="1"/>
+          </p:cNvSpPr>
+          <p:nvPr>
+            <p:ph idx="1"/>
+          </p:nvPr>
+        </p:nvSpPr>
+        <p:spPr/>
+        <p:txBody>
+          <a:bodyPr>
+            <a:normAutofit/>
+          </a:bodyPr>
+          <a:lstStyle/>
+          <a:p>
+            <a:r>
+              <a:rPr lang="es-ES" sz="1000" dirty="0"/>
+              <a:t>ar</a:t>
+            </a:r>
+            <a:endParaRPr lang="es-CL" sz="1000" dirty="0"/>
+          </a:p>
+        </p:txBody>
+      </p:sp>
+      <p:pic>
+        <p:nvPicPr>
+          <p:cNvPr id="5" name="Imagen 4">
+            <a:extLst>
+              <a:ext uri="{FF2B5EF4-FFF2-40B4-BE49-F238E27FC236}">
+                <a16:creationId xmlns:a16="http://schemas.microsoft.com/office/drawing/2014/main" id="{1E39A4BA-4E40-231A-0346-F8F318D148C2}"/>
+              </a:ext>
+            </a:extLst>
+          </p:cNvPr>
+          <p:cNvPicPr>
+            <a:picLocks noChangeAspect="1"/>
+          </p:cNvPicPr>
+          <p:nvPr/>
+        </p:nvPicPr>
+        <p:blipFill>
+          <a:blip r:embed="rId2"/>
+          <a:stretch>
+            <a:fillRect/>
+          </a:stretch>
+        </p:blipFill>
+        <p:spPr>
+          <a:xfrm>
+            <a:off x="4516050" y="-365125"/>
+            <a:ext cx="5618285" cy="6858000"/>
+          </a:xfrm>
+          <a:prstGeom prst="rect">
+            <a:avLst/>
+          </a:prstGeom>
+        </p:spPr>
+      </p:pic>
+    </p:spTree>
+    <p:extLst>
+      <p:ext uri="{BB962C8B-B14F-4D97-AF65-F5344CB8AC3E}">
+        <p14:creationId xmlns:p14="http://schemas.microsoft.com/office/powerpoint/2010/main" val="3463136506"/>
       </p:ext>
     </p:extLst>
   </p:cSld>
